--- a/162 - I Heard the Bells on Christmas Day - Copy.pptx
+++ b/162 - I Heard the Bells on Christmas Day - Copy.pptx
@@ -6,10 +6,8 @@
   </p:sldMasterIdLst>
   <p:sldIdLst>
     <p:sldId id="256" r:id="rId2"/>
-    <p:sldId id="257" r:id="rId3"/>
-    <p:sldId id="258" r:id="rId4"/>
-    <p:sldId id="259" r:id="rId5"/>
-    <p:sldId id="260" r:id="rId6"/>
+    <p:sldId id="258" r:id="rId3"/>
+    <p:sldId id="260" r:id="rId4"/>
   </p:sldIdLst>
   <p:sldSz cx="12192000" cy="6858000"/>
   <p:notesSz cx="6858000" cy="9144000"/>
@@ -116,10 +114,6 @@
 </p:presentation>
 </file>
 
-<file path=ppt/revisionInfo.xml><?xml version="1.0" encoding="utf-8"?>
-<p1510:revInfo xmlns:a="http://schemas.openxmlformats.org/drawingml/2006/main" xmlns:r="http://schemas.openxmlformats.org/officeDocument/2006/relationships" xmlns:p1510="http://schemas.microsoft.com/office/powerpoint/2015/10/main"/>
-</file>
-
 <file path=ppt/slideLayouts/slideLayout1.xml><?xml version="1.0" encoding="utf-8"?>
 <p:sldLayout xmlns:a="http://schemas.openxmlformats.org/drawingml/2006/main" xmlns:r="http://schemas.openxmlformats.org/officeDocument/2006/relationships" xmlns:p="http://schemas.openxmlformats.org/presentationml/2006/main" type="title" preserve="1">
   <p:cSld name="Title Slide">
@@ -249,7 +243,7 @@
           <a:p>
             <a:fld id="{32F7251A-AE54-443C-B8FE-5F636E835EBF}" type="datetimeFigureOut">
               <a:rPr lang="en-US" smtClean="0"/>
-              <a:t>12/24/2017</a:t>
+              <a:t>12/22/2019</a:t>
             </a:fld>
             <a:endParaRPr lang="en-US"/>
           </a:p>
@@ -417,7 +411,7 @@
           <a:p>
             <a:fld id="{32F7251A-AE54-443C-B8FE-5F636E835EBF}" type="datetimeFigureOut">
               <a:rPr lang="en-US" smtClean="0"/>
-              <a:t>12/24/2017</a:t>
+              <a:t>12/22/2019</a:t>
             </a:fld>
             <a:endParaRPr lang="en-US"/>
           </a:p>
@@ -595,7 +589,7 @@
           <a:p>
             <a:fld id="{32F7251A-AE54-443C-B8FE-5F636E835EBF}" type="datetimeFigureOut">
               <a:rPr lang="en-US" smtClean="0"/>
-              <a:t>12/24/2017</a:t>
+              <a:t>12/22/2019</a:t>
             </a:fld>
             <a:endParaRPr lang="en-US"/>
           </a:p>
@@ -763,7 +757,7 @@
           <a:p>
             <a:fld id="{32F7251A-AE54-443C-B8FE-5F636E835EBF}" type="datetimeFigureOut">
               <a:rPr lang="en-US" smtClean="0"/>
-              <a:t>12/24/2017</a:t>
+              <a:t>12/22/2019</a:t>
             </a:fld>
             <a:endParaRPr lang="en-US"/>
           </a:p>
@@ -1008,7 +1002,7 @@
           <a:p>
             <a:fld id="{32F7251A-AE54-443C-B8FE-5F636E835EBF}" type="datetimeFigureOut">
               <a:rPr lang="en-US" smtClean="0"/>
-              <a:t>12/24/2017</a:t>
+              <a:t>12/22/2019</a:t>
             </a:fld>
             <a:endParaRPr lang="en-US"/>
           </a:p>
@@ -1237,7 +1231,7 @@
           <a:p>
             <a:fld id="{32F7251A-AE54-443C-B8FE-5F636E835EBF}" type="datetimeFigureOut">
               <a:rPr lang="en-US" smtClean="0"/>
-              <a:t>12/24/2017</a:t>
+              <a:t>12/22/2019</a:t>
             </a:fld>
             <a:endParaRPr lang="en-US"/>
           </a:p>
@@ -1601,7 +1595,7 @@
           <a:p>
             <a:fld id="{32F7251A-AE54-443C-B8FE-5F636E835EBF}" type="datetimeFigureOut">
               <a:rPr lang="en-US" smtClean="0"/>
-              <a:t>12/24/2017</a:t>
+              <a:t>12/22/2019</a:t>
             </a:fld>
             <a:endParaRPr lang="en-US"/>
           </a:p>
@@ -1718,7 +1712,7 @@
           <a:p>
             <a:fld id="{32F7251A-AE54-443C-B8FE-5F636E835EBF}" type="datetimeFigureOut">
               <a:rPr lang="en-US" smtClean="0"/>
-              <a:t>12/24/2017</a:t>
+              <a:t>12/22/2019</a:t>
             </a:fld>
             <a:endParaRPr lang="en-US"/>
           </a:p>
@@ -1813,7 +1807,7 @@
           <a:p>
             <a:fld id="{32F7251A-AE54-443C-B8FE-5F636E835EBF}" type="datetimeFigureOut">
               <a:rPr lang="en-US" smtClean="0"/>
-              <a:t>12/24/2017</a:t>
+              <a:t>12/22/2019</a:t>
             </a:fld>
             <a:endParaRPr lang="en-US"/>
           </a:p>
@@ -2088,7 +2082,7 @@
           <a:p>
             <a:fld id="{32F7251A-AE54-443C-B8FE-5F636E835EBF}" type="datetimeFigureOut">
               <a:rPr lang="en-US" smtClean="0"/>
-              <a:t>12/24/2017</a:t>
+              <a:t>12/22/2019</a:t>
             </a:fld>
             <a:endParaRPr lang="en-US"/>
           </a:p>
@@ -2340,7 +2334,7 @@
           <a:p>
             <a:fld id="{32F7251A-AE54-443C-B8FE-5F636E835EBF}" type="datetimeFigureOut">
               <a:rPr lang="en-US" smtClean="0"/>
-              <a:t>12/24/2017</a:t>
+              <a:t>12/22/2019</a:t>
             </a:fld>
             <a:endParaRPr lang="en-US"/>
           </a:p>
@@ -2407,7 +2401,9 @@
     <p:bg>
       <p:bgPr>
         <a:solidFill>
-          <a:srgbClr val="333333"/>
+          <a:schemeClr val="bg1">
+            <a:lumMod val="10000"/>
+          </a:schemeClr>
         </a:solidFill>
         <a:effectLst/>
       </p:bgPr>
@@ -2554,7 +2550,7 @@
           <a:p>
             <a:fld id="{32F7251A-AE54-443C-B8FE-5F636E835EBF}" type="datetimeFigureOut">
               <a:rPr lang="en-US" smtClean="0"/>
-              <a:t>12/24/2017</a:t>
+              <a:t>12/22/2019</a:t>
             </a:fld>
             <a:endParaRPr lang="en-US"/>
           </a:p>
@@ -3024,8 +3020,8 @@
         </p:nvSpPr>
         <p:spPr>
           <a:xfrm>
-            <a:off x="0" y="5804209"/>
-            <a:ext cx="12192000" cy="830997"/>
+            <a:off x="0" y="5927320"/>
+            <a:ext cx="12192000" cy="584775"/>
           </a:xfrm>
           <a:prstGeom prst="rect">
             <a:avLst/>
@@ -3040,10 +3036,12 @@
           <a:p>
             <a:pPr algn="ctr"/>
             <a:r>
-              <a:rPr lang="en-US" sz="4800" dirty="0">
+              <a:rPr lang="en-US" sz="3200" u="sng" dirty="0">
                 <a:solidFill>
                   <a:schemeClr val="bg1"/>
                 </a:solidFill>
+                <a:latin typeface="Assistant SemiBold" panose="00000700000000000000" pitchFamily="2" charset="-79"/>
+                <a:cs typeface="Assistant SemiBold" panose="00000700000000000000" pitchFamily="2" charset="-79"/>
               </a:rPr>
               <a:t>“I Heard the Bells on Christmas Day”</a:t>
             </a:r>
@@ -3058,8 +3056,8 @@
         </p:nvSpPr>
         <p:spPr>
           <a:xfrm>
-            <a:off x="0" y="1554277"/>
-            <a:ext cx="12192000" cy="2308324"/>
+            <a:off x="0" y="800588"/>
+            <a:ext cx="12192000" cy="3970318"/>
           </a:xfrm>
           <a:prstGeom prst="rect">
             <a:avLst/>
@@ -3074,21 +3072,25 @@
           <a:p>
             <a:pPr algn="ctr"/>
             <a:r>
-              <a:rPr lang="en-US" sz="3600" dirty="0">
+              <a:rPr lang="en-US" sz="2800" spc="50" dirty="0">
                 <a:solidFill>
                   <a:schemeClr val="bg1"/>
                 </a:solidFill>
+                <a:latin typeface="Assistant" panose="00000500000000000000" pitchFamily="2" charset="-79"/>
+                <a:cs typeface="Assistant" panose="00000500000000000000" pitchFamily="2" charset="-79"/>
               </a:rPr>
-              <a:t>I heard the bells on Christmas Day</a:t>
+              <a:t>I heard the bells on Christmas Day,</a:t>
             </a:r>
           </a:p>
           <a:p>
             <a:pPr algn="ctr"/>
             <a:r>
-              <a:rPr lang="en-US" sz="3600" dirty="0">
+              <a:rPr lang="en-US" sz="2800" spc="50" dirty="0">
                 <a:solidFill>
                   <a:schemeClr val="bg1"/>
                 </a:solidFill>
+                <a:latin typeface="Assistant" panose="00000500000000000000" pitchFamily="2" charset="-79"/>
+                <a:cs typeface="Assistant" panose="00000500000000000000" pitchFamily="2" charset="-79"/>
               </a:rPr>
               <a:t>Their old familiar carols play,</a:t>
             </a:r>
@@ -3096,10 +3098,12 @@
           <a:p>
             <a:pPr algn="ctr"/>
             <a:r>
-              <a:rPr lang="en-US" sz="3600" dirty="0">
+              <a:rPr lang="en-US" sz="2800" spc="50" dirty="0">
                 <a:solidFill>
                   <a:schemeClr val="bg1"/>
                 </a:solidFill>
+                <a:latin typeface="Assistant" panose="00000500000000000000" pitchFamily="2" charset="-79"/>
+                <a:cs typeface="Assistant" panose="00000500000000000000" pitchFamily="2" charset="-79"/>
               </a:rPr>
               <a:t>And wild and sweet the words repeat</a:t>
             </a:r>
@@ -3107,12 +3111,76 @@
           <a:p>
             <a:pPr algn="ctr"/>
             <a:r>
-              <a:rPr lang="en-US" sz="3600" dirty="0">
+              <a:rPr lang="en-US" sz="2800" spc="50" dirty="0">
                 <a:solidFill>
                   <a:schemeClr val="bg1"/>
                 </a:solidFill>
+                <a:latin typeface="Assistant" panose="00000500000000000000" pitchFamily="2" charset="-79"/>
+                <a:cs typeface="Assistant" panose="00000500000000000000" pitchFamily="2" charset="-79"/>
               </a:rPr>
-              <a:t>Of peace on earth, good will to men.</a:t>
+              <a:t>Of peace on earth, goodwill to men.</a:t>
+            </a:r>
+          </a:p>
+          <a:p>
+            <a:pPr algn="ctr"/>
+            <a:endParaRPr lang="en-US" sz="2800" spc="50" dirty="0">
+              <a:solidFill>
+                <a:schemeClr val="bg1"/>
+              </a:solidFill>
+              <a:latin typeface="Assistant" panose="00000500000000000000" pitchFamily="2" charset="-79"/>
+              <a:cs typeface="Assistant" panose="00000500000000000000" pitchFamily="2" charset="-79"/>
+            </a:endParaRPr>
+          </a:p>
+          <a:p>
+            <a:pPr algn="ctr"/>
+            <a:r>
+              <a:rPr lang="en-US" sz="2800" spc="50" dirty="0">
+                <a:solidFill>
+                  <a:schemeClr val="bg1"/>
+                </a:solidFill>
+                <a:latin typeface="Assistant" panose="00000500000000000000" pitchFamily="2" charset="-79"/>
+                <a:cs typeface="Assistant" panose="00000500000000000000" pitchFamily="2" charset="-79"/>
+              </a:rPr>
+              <a:t>I thought how, as the day had come,</a:t>
+            </a:r>
+          </a:p>
+          <a:p>
+            <a:pPr algn="ctr"/>
+            <a:r>
+              <a:rPr lang="en-US" sz="2800" spc="50" dirty="0">
+                <a:solidFill>
+                  <a:schemeClr val="bg1"/>
+                </a:solidFill>
+                <a:latin typeface="Assistant" panose="00000500000000000000" pitchFamily="2" charset="-79"/>
+                <a:cs typeface="Assistant" panose="00000500000000000000" pitchFamily="2" charset="-79"/>
+              </a:rPr>
+              <a:t>The belfries of all Christendom</a:t>
+            </a:r>
+          </a:p>
+          <a:p>
+            <a:pPr algn="ctr"/>
+            <a:r>
+              <a:rPr lang="en-US" sz="2800" spc="50" dirty="0">
+                <a:solidFill>
+                  <a:schemeClr val="bg1"/>
+                </a:solidFill>
+                <a:latin typeface="Assistant" panose="00000500000000000000" pitchFamily="2" charset="-79"/>
+                <a:cs typeface="Assistant" panose="00000500000000000000" pitchFamily="2" charset="-79"/>
+              </a:rPr>
+              <a:t>Had rolled along the unbroken song</a:t>
+            </a:r>
+          </a:p>
+          <a:p>
+            <a:pPr algn="ctr"/>
+            <a:r>
+              <a:rPr lang="en-US" sz="2800" spc="50" dirty="0">
+                <a:solidFill>
+                  <a:schemeClr val="bg1"/>
+                </a:solidFill>
+                <a:latin typeface="Assistant" panose="00000500000000000000" pitchFamily="2" charset="-79"/>
+                <a:cs typeface="Assistant" panose="00000500000000000000" pitchFamily="2" charset="-79"/>
+              </a:rPr>
+              <a:t>Of peace on earth, goodwill to men.</a:t>
             </a:r>
           </a:p>
         </p:txBody>
@@ -3212,8 +3280,8 @@
         </p:nvSpPr>
         <p:spPr>
           <a:xfrm>
-            <a:off x="0" y="5804209"/>
-            <a:ext cx="12192000" cy="830997"/>
+            <a:off x="0" y="5927320"/>
+            <a:ext cx="12192000" cy="584775"/>
           </a:xfrm>
           <a:prstGeom prst="rect">
             <a:avLst/>
@@ -3228,10 +3296,12 @@
           <a:p>
             <a:pPr algn="ctr"/>
             <a:r>
-              <a:rPr lang="en-US" sz="4800" dirty="0">
+              <a:rPr lang="en-US" sz="3200" u="sng" dirty="0">
                 <a:solidFill>
                   <a:schemeClr val="bg1"/>
                 </a:solidFill>
+                <a:latin typeface="Assistant SemiBold" panose="00000700000000000000" pitchFamily="2" charset="-79"/>
+                <a:cs typeface="Assistant SemiBold" panose="00000700000000000000" pitchFamily="2" charset="-79"/>
               </a:rPr>
               <a:t>“I Heard the Bells on Christmas Day”</a:t>
             </a:r>
@@ -3246,8 +3316,8 @@
         </p:nvSpPr>
         <p:spPr>
           <a:xfrm>
-            <a:off x="0" y="1554277"/>
-            <a:ext cx="12192000" cy="2308324"/>
+            <a:off x="0" y="870064"/>
+            <a:ext cx="12192000" cy="3970318"/>
           </a:xfrm>
           <a:prstGeom prst="rect">
             <a:avLst/>
@@ -3262,45 +3332,115 @@
           <a:p>
             <a:pPr algn="ctr"/>
             <a:r>
-              <a:rPr lang="en-US" sz="3600" dirty="0">
+              <a:rPr lang="en-US" sz="2800" spc="50" dirty="0">
                 <a:solidFill>
                   <a:schemeClr val="bg1"/>
                 </a:solidFill>
+                <a:latin typeface="Assistant" panose="00000500000000000000" pitchFamily="2" charset="-79"/>
+                <a:cs typeface="Assistant" panose="00000500000000000000" pitchFamily="2" charset="-79"/>
               </a:rPr>
-              <a:t>I thought how, as the day had come,</a:t>
+              <a:t>And, in despair, I bowed my head,</a:t>
             </a:r>
           </a:p>
           <a:p>
             <a:pPr algn="ctr"/>
             <a:r>
-              <a:rPr lang="en-US" sz="3600" dirty="0">
+              <a:rPr lang="en-US" sz="2800" spc="50" dirty="0">
                 <a:solidFill>
                   <a:schemeClr val="bg1"/>
                 </a:solidFill>
+                <a:latin typeface="Assistant" panose="00000500000000000000" pitchFamily="2" charset="-79"/>
+                <a:cs typeface="Assistant" panose="00000500000000000000" pitchFamily="2" charset="-79"/>
               </a:rPr>
-              <a:t>The belfries of all Christendom</a:t>
+              <a:t>“There is no peace on earth,” I said,</a:t>
             </a:r>
           </a:p>
           <a:p>
             <a:pPr algn="ctr"/>
             <a:r>
-              <a:rPr lang="en-US" sz="3600" dirty="0">
+              <a:rPr lang="en-US" sz="2800" spc="50" dirty="0">
                 <a:solidFill>
                   <a:schemeClr val="bg1"/>
                 </a:solidFill>
+                <a:latin typeface="Assistant" panose="00000500000000000000" pitchFamily="2" charset="-79"/>
+                <a:cs typeface="Assistant" panose="00000500000000000000" pitchFamily="2" charset="-79"/>
               </a:rPr>
-              <a:t>Had rolled along the unbroken song</a:t>
+              <a:t>“For hate is strong and mocks he song</a:t>
             </a:r>
           </a:p>
           <a:p>
             <a:pPr algn="ctr"/>
             <a:r>
-              <a:rPr lang="en-US" sz="3600" dirty="0">
+              <a:rPr lang="en-US" sz="2800" spc="50" dirty="0">
                 <a:solidFill>
                   <a:schemeClr val="bg1"/>
                 </a:solidFill>
+                <a:latin typeface="Assistant" panose="00000500000000000000" pitchFamily="2" charset="-79"/>
+                <a:cs typeface="Assistant" panose="00000500000000000000" pitchFamily="2" charset="-79"/>
               </a:rPr>
-              <a:t>Of peace on earth, good will to men,</a:t>
+              <a:t>Of peace on earth, goodwill to men.”</a:t>
+            </a:r>
+          </a:p>
+          <a:p>
+            <a:pPr algn="ctr"/>
+            <a:endParaRPr lang="en-US" sz="2800" spc="50" dirty="0">
+              <a:solidFill>
+                <a:schemeClr val="bg1"/>
+              </a:solidFill>
+              <a:latin typeface="Assistant" panose="00000500000000000000" pitchFamily="2" charset="-79"/>
+              <a:cs typeface="Assistant" panose="00000500000000000000" pitchFamily="2" charset="-79"/>
+            </a:endParaRPr>
+          </a:p>
+          <a:p>
+            <a:pPr algn="ctr"/>
+            <a:r>
+              <a:rPr lang="en-US" sz="2800" spc="50" dirty="0">
+                <a:solidFill>
+                  <a:schemeClr val="bg1"/>
+                </a:solidFill>
+                <a:latin typeface="Assistant" panose="00000500000000000000" pitchFamily="2" charset="-79"/>
+                <a:cs typeface="Assistant" panose="00000500000000000000" pitchFamily="2" charset="-79"/>
+              </a:rPr>
+              <a:t>Then pealed the bells more loud and deep,</a:t>
+            </a:r>
+          </a:p>
+          <a:p>
+            <a:pPr algn="ctr"/>
+            <a:r>
+              <a:rPr lang="en-US" sz="2800" spc="50" dirty="0">
+                <a:solidFill>
+                  <a:schemeClr val="bg1"/>
+                </a:solidFill>
+                <a:latin typeface="Assistant" panose="00000500000000000000" pitchFamily="2" charset="-79"/>
+                <a:cs typeface="Assistant" panose="00000500000000000000" pitchFamily="2" charset="-79"/>
+              </a:rPr>
+              <a:t>“God is not dead, nor doth He sleep;</a:t>
+            </a:r>
+          </a:p>
+          <a:p>
+            <a:pPr algn="ctr"/>
+            <a:r>
+              <a:rPr lang="en-US" sz="2800" spc="50" dirty="0">
+                <a:solidFill>
+                  <a:schemeClr val="bg1"/>
+                </a:solidFill>
+                <a:latin typeface="Assistant" panose="00000500000000000000" pitchFamily="2" charset="-79"/>
+                <a:cs typeface="Assistant" panose="00000500000000000000" pitchFamily="2" charset="-79"/>
+              </a:rPr>
+              <a:t>The wrong shall fail, the right prevail,</a:t>
+            </a:r>
+          </a:p>
+          <a:p>
+            <a:pPr algn="ctr"/>
+            <a:r>
+              <a:rPr lang="en-US" sz="2800" spc="50" dirty="0">
+                <a:solidFill>
+                  <a:schemeClr val="bg1"/>
+                </a:solidFill>
+                <a:latin typeface="Assistant" panose="00000500000000000000" pitchFamily="2" charset="-79"/>
+                <a:cs typeface="Assistant" panose="00000500000000000000" pitchFamily="2" charset="-79"/>
+              </a:rPr>
+              <a:t>With peace on earth, goodwill to men.”</a:t>
             </a:r>
           </a:p>
         </p:txBody>
@@ -3308,7 +3448,7 @@
     </p:spTree>
     <p:extLst>
       <p:ext uri="{BB962C8B-B14F-4D97-AF65-F5344CB8AC3E}">
-        <p14:creationId xmlns:p14="http://schemas.microsoft.com/office/powerpoint/2010/main" val="2903705901"/>
+        <p14:creationId xmlns:p14="http://schemas.microsoft.com/office/powerpoint/2010/main" val="1178607522"/>
       </p:ext>
     </p:extLst>
   </p:cSld>
@@ -3400,8 +3540,8 @@
         </p:nvSpPr>
         <p:spPr>
           <a:xfrm>
-            <a:off x="0" y="5804209"/>
-            <a:ext cx="12192000" cy="830997"/>
+            <a:off x="0" y="5927320"/>
+            <a:ext cx="12192000" cy="584775"/>
           </a:xfrm>
           <a:prstGeom prst="rect">
             <a:avLst/>
@@ -3416,10 +3556,12 @@
           <a:p>
             <a:pPr algn="ctr"/>
             <a:r>
-              <a:rPr lang="en-US" sz="4800" dirty="0">
+              <a:rPr lang="en-US" sz="3200" u="sng" dirty="0">
                 <a:solidFill>
                   <a:schemeClr val="bg1"/>
                 </a:solidFill>
+                <a:latin typeface="Assistant SemiBold" panose="00000700000000000000" pitchFamily="2" charset="-79"/>
+                <a:cs typeface="Assistant SemiBold" panose="00000700000000000000" pitchFamily="2" charset="-79"/>
               </a:rPr>
               <a:t>“I Heard the Bells on Christmas Day”</a:t>
             </a:r>
@@ -3434,8 +3576,8 @@
         </p:nvSpPr>
         <p:spPr>
           <a:xfrm>
-            <a:off x="0" y="1554277"/>
-            <a:ext cx="12192000" cy="2308324"/>
+            <a:off x="0" y="1798117"/>
+            <a:ext cx="12192000" cy="1815882"/>
           </a:xfrm>
           <a:prstGeom prst="rect">
             <a:avLst/>
@@ -3450,429 +3592,63 @@
           <a:p>
             <a:pPr algn="ctr"/>
             <a:r>
-              <a:rPr lang="en-US" sz="3600" dirty="0">
+              <a:rPr lang="en-US" sz="2800" spc="50" dirty="0" err="1">
                 <a:solidFill>
                   <a:schemeClr val="bg1"/>
                 </a:solidFill>
+                <a:latin typeface="Assistant" panose="00000500000000000000" pitchFamily="2" charset="-79"/>
+                <a:cs typeface="Assistant" panose="00000500000000000000" pitchFamily="2" charset="-79"/>
               </a:rPr>
-              <a:t>And in despair I bowed my head;</a:t>
-            </a:r>
-          </a:p>
-          <a:p>
-            <a:pPr algn="ctr"/>
-            <a:r>
-              <a:rPr lang="en-US" sz="3600" dirty="0">
+              <a:t>‘Til</a:t>
+            </a:r>
+            <a:r>
+              <a:rPr lang="en-US" sz="2800" spc="50" dirty="0">
                 <a:solidFill>
                   <a:schemeClr val="bg1"/>
                 </a:solidFill>
+                <a:latin typeface="Assistant" panose="00000500000000000000" pitchFamily="2" charset="-79"/>
+                <a:cs typeface="Assistant" panose="00000500000000000000" pitchFamily="2" charset="-79"/>
               </a:rPr>
-              <a:t>“There is no peace on earth,” I said,</a:t>
+              <a:t>, ringing, singing on its way,</a:t>
             </a:r>
           </a:p>
           <a:p>
             <a:pPr algn="ctr"/>
             <a:r>
-              <a:rPr lang="en-US" sz="3600" dirty="0">
+              <a:rPr lang="en-US" sz="2800" spc="50" dirty="0">
                 <a:solidFill>
                   <a:schemeClr val="bg1"/>
                 </a:solidFill>
+                <a:latin typeface="Assistant" panose="00000500000000000000" pitchFamily="2" charset="-79"/>
+                <a:cs typeface="Assistant" panose="00000500000000000000" pitchFamily="2" charset="-79"/>
               </a:rPr>
-              <a:t>“For hate is strong and mocks he song</a:t>
+              <a:t>The world revolved from night to day,</a:t>
             </a:r>
           </a:p>
           <a:p>
             <a:pPr algn="ctr"/>
             <a:r>
-              <a:rPr lang="en-US" sz="3600" dirty="0">
+              <a:rPr lang="en-US" sz="2800" spc="50" dirty="0">
                 <a:solidFill>
                   <a:schemeClr val="bg1"/>
                 </a:solidFill>
+                <a:latin typeface="Assistant" panose="00000500000000000000" pitchFamily="2" charset="-79"/>
+                <a:cs typeface="Assistant" panose="00000500000000000000" pitchFamily="2" charset="-79"/>
               </a:rPr>
-              <a:t>Of peace on earth, goodwill to men.”</a:t>
-            </a:r>
-          </a:p>
-        </p:txBody>
-      </p:sp>
-    </p:spTree>
-    <p:extLst>
-      <p:ext uri="{BB962C8B-B14F-4D97-AF65-F5344CB8AC3E}">
-        <p14:creationId xmlns:p14="http://schemas.microsoft.com/office/powerpoint/2010/main" val="1178607522"/>
-      </p:ext>
-    </p:extLst>
-  </p:cSld>
-  <p:clrMapOvr>
-    <a:masterClrMapping/>
-  </p:clrMapOvr>
-</p:sld>
-</file>
-
-<file path=ppt/slides/slide4.xml><?xml version="1.0" encoding="utf-8"?>
-<p:sld xmlns:a="http://schemas.openxmlformats.org/drawingml/2006/main" xmlns:r="http://schemas.openxmlformats.org/officeDocument/2006/relationships" xmlns:p="http://schemas.openxmlformats.org/presentationml/2006/main">
-  <p:cSld>
-    <p:spTree>
-      <p:nvGrpSpPr>
-        <p:cNvPr id="1" name=""/>
-        <p:cNvGrpSpPr/>
-        <p:nvPr/>
-      </p:nvGrpSpPr>
-      <p:grpSpPr>
-        <a:xfrm>
-          <a:off x="0" y="0"/>
-          <a:ext cx="0" cy="0"/>
-          <a:chOff x="0" y="0"/>
-          <a:chExt cx="0" cy="0"/>
-        </a:xfrm>
-      </p:grpSpPr>
-      <p:sp>
-        <p:nvSpPr>
-          <p:cNvPr id="4" name="Rectangle 3"/>
-          <p:cNvSpPr/>
-          <p:nvPr/>
-        </p:nvSpPr>
-        <p:spPr>
-          <a:xfrm>
-            <a:off x="0" y="5444197"/>
-            <a:ext cx="12192000" cy="1413803"/>
-          </a:xfrm>
-          <a:prstGeom prst="rect">
-            <a:avLst/>
-          </a:prstGeom>
-          <a:gradFill flip="none" rotWithShape="1">
-            <a:gsLst>
-              <a:gs pos="0">
-                <a:srgbClr val="998675">
-                  <a:alpha val="0"/>
-                </a:srgbClr>
-              </a:gs>
-              <a:gs pos="100000">
-                <a:srgbClr val="998675"/>
-              </a:gs>
-            </a:gsLst>
-            <a:lin ang="5400000" scaled="1"/>
-            <a:tileRect/>
-          </a:gradFill>
-          <a:ln>
-            <a:noFill/>
-          </a:ln>
-        </p:spPr>
-        <p:style>
-          <a:lnRef idx="2">
-            <a:schemeClr val="accent1">
-              <a:shade val="50000"/>
-            </a:schemeClr>
-          </a:lnRef>
-          <a:fillRef idx="1">
-            <a:schemeClr val="accent1"/>
-          </a:fillRef>
-          <a:effectRef idx="0">
-            <a:schemeClr val="accent1"/>
-          </a:effectRef>
-          <a:fontRef idx="minor">
-            <a:schemeClr val="lt1"/>
-          </a:fontRef>
-        </p:style>
-        <p:txBody>
-          <a:bodyPr rtlCol="0" anchor="ctr"/>
-          <a:lstStyle/>
+              <a:t>A voice, a chime, a chant sublime</a:t>
+            </a:r>
+          </a:p>
           <a:p>
             <a:pPr algn="ctr"/>
-            <a:endParaRPr lang="en-US"/>
-          </a:p>
-        </p:txBody>
-      </p:sp>
-      <p:sp>
-        <p:nvSpPr>
-          <p:cNvPr id="7" name="TextBox 6"/>
-          <p:cNvSpPr txBox="1"/>
-          <p:nvPr/>
-        </p:nvSpPr>
-        <p:spPr>
-          <a:xfrm>
-            <a:off x="0" y="5804209"/>
-            <a:ext cx="12192000" cy="830997"/>
-          </a:xfrm>
-          <a:prstGeom prst="rect">
-            <a:avLst/>
-          </a:prstGeom>
-          <a:noFill/>
-        </p:spPr>
-        <p:txBody>
-          <a:bodyPr wrap="square" rtlCol="0" anchor="ctr">
-            <a:spAutoFit/>
-          </a:bodyPr>
-          <a:lstStyle/>
-          <a:p>
-            <a:pPr algn="ctr"/>
-            <a:r>
-              <a:rPr lang="en-US" sz="4800" dirty="0">
+            <a:r>
+              <a:rPr lang="en-US" sz="2800" spc="50" dirty="0">
                 <a:solidFill>
                   <a:schemeClr val="bg1"/>
                 </a:solidFill>
+                <a:latin typeface="Assistant" panose="00000500000000000000" pitchFamily="2" charset="-79"/>
+                <a:cs typeface="Assistant" panose="00000500000000000000" pitchFamily="2" charset="-79"/>
               </a:rPr>
-              <a:t>“I Heard the Bells on Christmas Day”</a:t>
-            </a:r>
-          </a:p>
-        </p:txBody>
-      </p:sp>
-      <p:sp>
-        <p:nvSpPr>
-          <p:cNvPr id="8" name="TextBox 7"/>
-          <p:cNvSpPr txBox="1"/>
-          <p:nvPr/>
-        </p:nvSpPr>
-        <p:spPr>
-          <a:xfrm>
-            <a:off x="0" y="1554277"/>
-            <a:ext cx="12192000" cy="2308324"/>
-          </a:xfrm>
-          <a:prstGeom prst="rect">
-            <a:avLst/>
-          </a:prstGeom>
-          <a:noFill/>
-        </p:spPr>
-        <p:txBody>
-          <a:bodyPr wrap="square" rtlCol="0">
-            <a:spAutoFit/>
-          </a:bodyPr>
-          <a:lstStyle/>
-          <a:p>
-            <a:pPr algn="ctr"/>
-            <a:r>
-              <a:rPr lang="en-US" sz="3600" dirty="0">
-                <a:solidFill>
-                  <a:schemeClr val="bg1"/>
-                </a:solidFill>
-              </a:rPr>
-              <a:t>Then pealed the bells more loud and deep,</a:t>
-            </a:r>
-          </a:p>
-          <a:p>
-            <a:pPr algn="ctr"/>
-            <a:r>
-              <a:rPr lang="en-US" sz="3600" dirty="0">
-                <a:solidFill>
-                  <a:schemeClr val="bg1"/>
-                </a:solidFill>
-              </a:rPr>
-              <a:t>“God is not dead, nor doth He sleep;</a:t>
-            </a:r>
-          </a:p>
-          <a:p>
-            <a:pPr algn="ctr"/>
-            <a:r>
-              <a:rPr lang="en-US" sz="3600" dirty="0">
-                <a:solidFill>
-                  <a:schemeClr val="bg1"/>
-                </a:solidFill>
-              </a:rPr>
-              <a:t>The wrong shall fail, the right prevail,</a:t>
-            </a:r>
-          </a:p>
-          <a:p>
-            <a:pPr algn="ctr"/>
-            <a:r>
-              <a:rPr lang="en-US" sz="3600" dirty="0">
-                <a:solidFill>
-                  <a:schemeClr val="bg1"/>
-                </a:solidFill>
-              </a:rPr>
-              <a:t>With peace on earth, good will to men.”</a:t>
-            </a:r>
-          </a:p>
-        </p:txBody>
-      </p:sp>
-    </p:spTree>
-    <p:extLst>
-      <p:ext uri="{BB962C8B-B14F-4D97-AF65-F5344CB8AC3E}">
-        <p14:creationId xmlns:p14="http://schemas.microsoft.com/office/powerpoint/2010/main" val="1110599040"/>
-      </p:ext>
-    </p:extLst>
-  </p:cSld>
-  <p:clrMapOvr>
-    <a:masterClrMapping/>
-  </p:clrMapOvr>
-</p:sld>
-</file>
-
-<file path=ppt/slides/slide5.xml><?xml version="1.0" encoding="utf-8"?>
-<p:sld xmlns:a="http://schemas.openxmlformats.org/drawingml/2006/main" xmlns:r="http://schemas.openxmlformats.org/officeDocument/2006/relationships" xmlns:p="http://schemas.openxmlformats.org/presentationml/2006/main">
-  <p:cSld>
-    <p:spTree>
-      <p:nvGrpSpPr>
-        <p:cNvPr id="1" name=""/>
-        <p:cNvGrpSpPr/>
-        <p:nvPr/>
-      </p:nvGrpSpPr>
-      <p:grpSpPr>
-        <a:xfrm>
-          <a:off x="0" y="0"/>
-          <a:ext cx="0" cy="0"/>
-          <a:chOff x="0" y="0"/>
-          <a:chExt cx="0" cy="0"/>
-        </a:xfrm>
-      </p:grpSpPr>
-      <p:sp>
-        <p:nvSpPr>
-          <p:cNvPr id="4" name="Rectangle 3"/>
-          <p:cNvSpPr/>
-          <p:nvPr/>
-        </p:nvSpPr>
-        <p:spPr>
-          <a:xfrm>
-            <a:off x="0" y="5444197"/>
-            <a:ext cx="12192000" cy="1413803"/>
-          </a:xfrm>
-          <a:prstGeom prst="rect">
-            <a:avLst/>
-          </a:prstGeom>
-          <a:gradFill flip="none" rotWithShape="1">
-            <a:gsLst>
-              <a:gs pos="0">
-                <a:srgbClr val="998675">
-                  <a:alpha val="0"/>
-                </a:srgbClr>
-              </a:gs>
-              <a:gs pos="100000">
-                <a:srgbClr val="998675"/>
-              </a:gs>
-            </a:gsLst>
-            <a:lin ang="5400000" scaled="1"/>
-            <a:tileRect/>
-          </a:gradFill>
-          <a:ln>
-            <a:noFill/>
-          </a:ln>
-        </p:spPr>
-        <p:style>
-          <a:lnRef idx="2">
-            <a:schemeClr val="accent1">
-              <a:shade val="50000"/>
-            </a:schemeClr>
-          </a:lnRef>
-          <a:fillRef idx="1">
-            <a:schemeClr val="accent1"/>
-          </a:fillRef>
-          <a:effectRef idx="0">
-            <a:schemeClr val="accent1"/>
-          </a:effectRef>
-          <a:fontRef idx="minor">
-            <a:schemeClr val="lt1"/>
-          </a:fontRef>
-        </p:style>
-        <p:txBody>
-          <a:bodyPr rtlCol="0" anchor="ctr"/>
-          <a:lstStyle/>
-          <a:p>
-            <a:pPr algn="ctr"/>
-            <a:endParaRPr lang="en-US"/>
-          </a:p>
-        </p:txBody>
-      </p:sp>
-      <p:sp>
-        <p:nvSpPr>
-          <p:cNvPr id="7" name="TextBox 6"/>
-          <p:cNvSpPr txBox="1"/>
-          <p:nvPr/>
-        </p:nvSpPr>
-        <p:spPr>
-          <a:xfrm>
-            <a:off x="0" y="5804209"/>
-            <a:ext cx="12192000" cy="830997"/>
-          </a:xfrm>
-          <a:prstGeom prst="rect">
-            <a:avLst/>
-          </a:prstGeom>
-          <a:noFill/>
-        </p:spPr>
-        <p:txBody>
-          <a:bodyPr wrap="square" rtlCol="0" anchor="ctr">
-            <a:spAutoFit/>
-          </a:bodyPr>
-          <a:lstStyle/>
-          <a:p>
-            <a:pPr algn="ctr"/>
-            <a:r>
-              <a:rPr lang="en-US" sz="4800" dirty="0">
-                <a:solidFill>
-                  <a:schemeClr val="bg1"/>
-                </a:solidFill>
-              </a:rPr>
-              <a:t>“I Heard the Bells on Christmas Day”</a:t>
-            </a:r>
-          </a:p>
-        </p:txBody>
-      </p:sp>
-      <p:sp>
-        <p:nvSpPr>
-          <p:cNvPr id="8" name="TextBox 7"/>
-          <p:cNvSpPr txBox="1"/>
-          <p:nvPr/>
-        </p:nvSpPr>
-        <p:spPr>
-          <a:xfrm>
-            <a:off x="0" y="1554277"/>
-            <a:ext cx="12192000" cy="2308324"/>
-          </a:xfrm>
-          <a:prstGeom prst="rect">
-            <a:avLst/>
-          </a:prstGeom>
-          <a:noFill/>
-        </p:spPr>
-        <p:txBody>
-          <a:bodyPr wrap="square" rtlCol="0">
-            <a:spAutoFit/>
-          </a:bodyPr>
-          <a:lstStyle/>
-          <a:p>
-            <a:pPr algn="ctr"/>
-            <a:r>
-              <a:rPr lang="en-US" sz="3600" dirty="0" err="1">
-                <a:solidFill>
-                  <a:schemeClr val="bg1"/>
-                </a:solidFill>
-              </a:rPr>
-              <a:t>‘Til</a:t>
-            </a:r>
-            <a:r>
-              <a:rPr lang="en-US" sz="3600" dirty="0">
-                <a:solidFill>
-                  <a:schemeClr val="bg1"/>
-                </a:solidFill>
-              </a:rPr>
-              <a:t>, ringing, singing on its way,</a:t>
-            </a:r>
-          </a:p>
-          <a:p>
-            <a:pPr algn="ctr"/>
-            <a:r>
-              <a:rPr lang="en-US" sz="3600" dirty="0">
-                <a:solidFill>
-                  <a:schemeClr val="bg1"/>
-                </a:solidFill>
-              </a:rPr>
-              <a:t>The world revolved from night to day,</a:t>
-            </a:r>
-          </a:p>
-          <a:p>
-            <a:pPr algn="ctr"/>
-            <a:r>
-              <a:rPr lang="en-US" sz="3600" dirty="0">
-                <a:solidFill>
-                  <a:schemeClr val="bg1"/>
-                </a:solidFill>
-              </a:rPr>
-              <a:t>A voice, a chime, a chant sublime</a:t>
-            </a:r>
-          </a:p>
-          <a:p>
-            <a:pPr algn="ctr"/>
-            <a:r>
-              <a:rPr lang="en-US" sz="3600" dirty="0">
-                <a:solidFill>
-                  <a:schemeClr val="bg1"/>
-                </a:solidFill>
-              </a:rPr>
-              <a:t>Of peace on earth, good will to men!</a:t>
+              <a:t>Of peace on earth, goodwill to men!</a:t>
             </a:r>
           </a:p>
         </p:txBody>
